--- a/PPT/2025.04.10.pptx
+++ b/PPT/2025.04.10.pptx
@@ -227,7 +227,7 @@
           <a:p>
             <a:fld id="{9FD9FF88-F485-4DC2-86CB-AFC52D9F289B}" type="datetimeFigureOut">
               <a:rPr lang="zh-CN" altLang="en-US" smtClean="0"/>
-              <a:t>2025/4/17</a:t>
+              <a:t>2025/6/16</a:t>
             </a:fld>
             <a:endParaRPr lang="zh-CN" altLang="en-US"/>
           </a:p>
@@ -11579,11 +11579,11 @@
               <a:buChar char="Ø"/>
             </a:pPr>
             <a:r>
-              <a:rPr lang="en-US" altLang="zh-CN" sz="2400" b="1" dirty="0">
+              <a:rPr lang="en-US" altLang="zh-CN" sz="2400" b="1">
                 <a:latin typeface="Times New Roman"/>
                 <a:cs typeface="Times New Roman"/>
               </a:rPr>
-              <a:t>PQS: </a:t>
+              <a:t>DQP: </a:t>
             </a:r>
             <a:r>
               <a:rPr lang="en-US" altLang="zh-CN" sz="2400" dirty="0">
